--- a/Slides/AZ-104T00A-ENU-PowerPoint_00 - done.pptx
+++ b/Slides/AZ-104T00A-ENU-PowerPoint_00 - done.pptx
@@ -238,7 +238,7 @@
               <a:rPr lang="en-US" smtClean="0">
                 <a:latin typeface="Segoe UI" pitchFamily="34" charset="0"/>
               </a:rPr>
-              <a:t>12/5/2022 3:51 PM</a:t>
+              <a:t>12/8/2022 9:01 AM</a:t>
             </a:fld>
             <a:endParaRPr lang="en-US">
               <a:latin typeface="Segoe UI" pitchFamily="34" charset="0"/>
@@ -516,7 +516,7 @@
           <a:p>
             <a:fld id="{DCE60099-03E7-4FA1-8A7F-E6E6CFB0F855}" type="datetime8">
               <a:rPr lang="en-US" smtClean="0"/>
-              <a:t>12/5/2022 3:50 PM</a:t>
+              <a:t>12/8/2022 9:01 AM</a:t>
             </a:fld>
             <a:endParaRPr lang="en-US"/>
           </a:p>
@@ -1047,7 +1047,7 @@
           <a:p>
             <a:fld id="{386CE63F-9E7F-4C04-9D0D-FCA25A8E9E86}" type="datetime8">
               <a:rPr lang="en-US" smtClean="0"/>
-              <a:t>12/5/2022 3:50 PM</a:t>
+              <a:t>12/8/2022 9:01 AM</a:t>
             </a:fld>
             <a:endParaRPr lang="en-US"/>
           </a:p>
@@ -1650,7 +1650,7 @@
           <a:p>
             <a:fld id="{386CE63F-9E7F-4C04-9D0D-FCA25A8E9E86}" type="datetime8">
               <a:rPr lang="en-US" smtClean="0"/>
-              <a:t>12/5/2022 3:50 PM</a:t>
+              <a:t>12/8/2022 9:01 AM</a:t>
             </a:fld>
             <a:endParaRPr lang="en-US"/>
           </a:p>
@@ -2366,7 +2366,7 @@
           <a:p>
             <a:fld id="{386CE63F-9E7F-4C04-9D0D-FCA25A8E9E86}" type="datetime8">
               <a:rPr lang="en-US" smtClean="0"/>
-              <a:t>12/5/2022 3:50 PM</a:t>
+              <a:t>12/8/2022 9:01 AM</a:t>
             </a:fld>
             <a:endParaRPr lang="en-US"/>
           </a:p>
@@ -2700,7 +2700,7 @@
           <a:p>
             <a:fld id="{386CE63F-9E7F-4C04-9D0D-FCA25A8E9E86}" type="datetime8">
               <a:rPr lang="en-US" smtClean="0"/>
-              <a:t>12/5/2022 3:50 PM</a:t>
+              <a:t>12/8/2022 9:01 AM</a:t>
             </a:fld>
             <a:endParaRPr lang="en-US"/>
           </a:p>
@@ -5777,8 +5777,8 @@
         </p:nvSpPr>
         <p:spPr>
           <a:xfrm>
-            <a:off x="451644" y="1140643"/>
-            <a:ext cx="6081132" cy="4999830"/>
+            <a:off x="451643" y="999240"/>
+            <a:ext cx="6081132" cy="5735416"/>
           </a:xfrm>
           <a:prstGeom prst="rect">
             <a:avLst/>
@@ -5800,7 +5800,7 @@
               </a:spcAft>
             </a:pPr>
             <a:r>
-              <a:rPr lang="en-GB" sz="2100" dirty="0">
+              <a:rPr lang="en-GB" sz="2100" b="1" u="sng" dirty="0">
                 <a:gradFill>
                   <a:gsLst>
                     <a:gs pos="2917">
@@ -5952,6 +5952,34 @@
             </a:r>
           </a:p>
           <a:p>
+            <a:pPr marL="342900" indent="-342900">
+              <a:lnSpc>
+                <a:spcPct val="90000"/>
+              </a:lnSpc>
+              <a:spcAft>
+                <a:spcPts val="600"/>
+              </a:spcAft>
+              <a:buFont typeface="Arial" panose="020B0604020202020204" pitchFamily="34" charset="0"/>
+              <a:buChar char="•"/>
+            </a:pPr>
+            <a:r>
+              <a:rPr lang="en-GB" sz="2100" b="1" dirty="0">
+                <a:gradFill>
+                  <a:gsLst>
+                    <a:gs pos="2917">
+                      <a:schemeClr val="tx1"/>
+                    </a:gs>
+                    <a:gs pos="30000">
+                      <a:schemeClr val="tx1"/>
+                    </a:gs>
+                  </a:gsLst>
+                  <a:lin ang="5400000" scaled="0"/>
+                </a:gradFill>
+              </a:rPr>
+              <a:t>Daily Review</a:t>
+            </a:r>
+          </a:p>
+          <a:p>
             <a:pPr>
               <a:lnSpc>
                 <a:spcPct val="90000"/>
@@ -5984,7 +6012,7 @@
               </a:spcAft>
             </a:pPr>
             <a:r>
-              <a:rPr lang="en-GB" sz="2100" dirty="0">
+              <a:rPr lang="en-GB" sz="2100" b="1" u="sng" dirty="0">
                 <a:gradFill>
                   <a:gsLst>
                     <a:gs pos="2917">
@@ -6135,6 +6163,34 @@
               <a:t>Module 8 – Azure Virtual Machines </a:t>
             </a:r>
           </a:p>
+          <a:p>
+            <a:pPr marL="342900" indent="-342900">
+              <a:lnSpc>
+                <a:spcPct val="90000"/>
+              </a:lnSpc>
+              <a:spcAft>
+                <a:spcPts val="600"/>
+              </a:spcAft>
+              <a:buFont typeface="Arial" panose="020B0604020202020204" pitchFamily="34" charset="0"/>
+              <a:buChar char="•"/>
+            </a:pPr>
+            <a:r>
+              <a:rPr lang="en-GB" sz="2100" b="1" dirty="0">
+                <a:gradFill>
+                  <a:gsLst>
+                    <a:gs pos="2917">
+                      <a:schemeClr val="tx1"/>
+                    </a:gs>
+                    <a:gs pos="30000">
+                      <a:schemeClr val="tx1"/>
+                    </a:gs>
+                  </a:gsLst>
+                  <a:lin ang="5400000" scaled="0"/>
+                </a:gradFill>
+              </a:rPr>
+              <a:t>Daily Review</a:t>
+            </a:r>
+          </a:p>
         </p:txBody>
       </p:sp>
       <p:sp>
@@ -6151,8 +6207,8 @@
         </p:nvSpPr>
         <p:spPr>
           <a:xfrm>
-            <a:off x="6383624" y="1140643"/>
-            <a:ext cx="6081132" cy="4999830"/>
+            <a:off x="6383623" y="999240"/>
+            <a:ext cx="6081132" cy="5735416"/>
           </a:xfrm>
           <a:prstGeom prst="rect">
             <a:avLst/>
@@ -6174,7 +6230,7 @@
               </a:spcAft>
             </a:pPr>
             <a:r>
-              <a:rPr lang="en-GB" sz="2100" dirty="0">
+              <a:rPr lang="en-GB" sz="2100" b="1" u="sng" dirty="0">
                 <a:gradFill>
                   <a:gsLst>
                     <a:gs pos="2917">
@@ -6298,6 +6354,34 @@
             </a:r>
           </a:p>
           <a:p>
+            <a:pPr marL="342900" indent="-342900">
+              <a:lnSpc>
+                <a:spcPct val="90000"/>
+              </a:lnSpc>
+              <a:spcAft>
+                <a:spcPts val="600"/>
+              </a:spcAft>
+              <a:buFont typeface="Arial" panose="020B0604020202020204" pitchFamily="34" charset="0"/>
+              <a:buChar char="•"/>
+            </a:pPr>
+            <a:r>
+              <a:rPr lang="en-GB" sz="2100" b="1" dirty="0">
+                <a:gradFill>
+                  <a:gsLst>
+                    <a:gs pos="2917">
+                      <a:schemeClr val="tx1"/>
+                    </a:gs>
+                    <a:gs pos="30000">
+                      <a:schemeClr val="tx1"/>
+                    </a:gs>
+                  </a:gsLst>
+                  <a:lin ang="5400000" scaled="0"/>
+                </a:gradFill>
+              </a:rPr>
+              <a:t>Daily Review</a:t>
+            </a:r>
+          </a:p>
+          <a:p>
             <a:pPr>
               <a:lnSpc>
                 <a:spcPct val="90000"/>
@@ -6329,8 +6413,31 @@
                 <a:spcPts val="600"/>
               </a:spcAft>
             </a:pPr>
-            <a:r>
-              <a:rPr lang="en-GB" sz="2100" dirty="0">
+            <a:endParaRPr lang="en-GB" sz="2100" dirty="0">
+              <a:gradFill>
+                <a:gsLst>
+                  <a:gs pos="2917">
+                    <a:schemeClr val="tx1"/>
+                  </a:gs>
+                  <a:gs pos="30000">
+                    <a:schemeClr val="tx1"/>
+                  </a:gs>
+                </a:gsLst>
+                <a:lin ang="5400000" scaled="0"/>
+              </a:gradFill>
+            </a:endParaRPr>
+          </a:p>
+          <a:p>
+            <a:pPr>
+              <a:lnSpc>
+                <a:spcPct val="90000"/>
+              </a:lnSpc>
+              <a:spcAft>
+                <a:spcPts val="600"/>
+              </a:spcAft>
+            </a:pPr>
+            <a:r>
+              <a:rPr lang="en-GB" sz="2100" b="1" u="sng" dirty="0">
                 <a:gradFill>
                   <a:gsLst>
                     <a:gs pos="2917">
@@ -6478,7 +6585,7 @@
                   <a:lin ang="5400000" scaled="0"/>
                 </a:gradFill>
               </a:rPr>
-              <a:t>Exam Cram Study</a:t>
+              <a:t>Exam Cram Study PDF</a:t>
             </a:r>
           </a:p>
           <a:p>
@@ -6506,7 +6613,7 @@
                   <a:lin ang="5400000" scaled="0"/>
                 </a:gradFill>
               </a:rPr>
-              <a:t>Pass AZ-104</a:t>
+              <a:t>Ace Pass AZ-104</a:t>
             </a:r>
           </a:p>
         </p:txBody>
@@ -6587,7 +6694,7 @@
         <p:spPr>
           <a:xfrm>
             <a:off x="451643" y="1253765"/>
-            <a:ext cx="11633520" cy="4976747"/>
+            <a:ext cx="11633520" cy="5629233"/>
           </a:xfrm>
           <a:prstGeom prst="rect">
             <a:avLst/>
@@ -6705,6 +6812,34 @@
             </a:r>
           </a:p>
           <a:p>
+            <a:pPr marL="809271" lvl="1" indent="-342900">
+              <a:lnSpc>
+                <a:spcPct val="90000"/>
+              </a:lnSpc>
+              <a:spcAft>
+                <a:spcPts val="600"/>
+              </a:spcAft>
+              <a:buFont typeface="Arial" panose="020B0604020202020204" pitchFamily="34" charset="0"/>
+              <a:buChar char="•"/>
+            </a:pPr>
+            <a:r>
+              <a:rPr lang="en-GB" sz="1200" dirty="0">
+                <a:gradFill>
+                  <a:gsLst>
+                    <a:gs pos="2917">
+                      <a:schemeClr val="tx1"/>
+                    </a:gs>
+                    <a:gs pos="30000">
+                      <a:schemeClr val="tx1"/>
+                    </a:gs>
+                  </a:gsLst>
+                  <a:lin ang="5400000" scaled="0"/>
+                </a:gradFill>
+              </a:rPr>
+              <a:t>15m break</a:t>
+            </a:r>
+          </a:p>
+          <a:p>
             <a:pPr marL="342900" indent="-342900">
               <a:lnSpc>
                 <a:spcPct val="90000"/>
@@ -6786,6 +6921,34 @@
                 </a:gradFill>
               </a:rPr>
               <a:t>Hands on Labs</a:t>
+            </a:r>
+          </a:p>
+          <a:p>
+            <a:pPr marL="809271" lvl="1" indent="-342900">
+              <a:lnSpc>
+                <a:spcPct val="90000"/>
+              </a:lnSpc>
+              <a:spcAft>
+                <a:spcPts val="600"/>
+              </a:spcAft>
+              <a:buFont typeface="Arial" panose="020B0604020202020204" pitchFamily="34" charset="0"/>
+              <a:buChar char="•"/>
+            </a:pPr>
+            <a:r>
+              <a:rPr lang="en-GB" sz="1200" dirty="0">
+                <a:gradFill>
+                  <a:gsLst>
+                    <a:gs pos="2917">
+                      <a:schemeClr val="tx1"/>
+                    </a:gs>
+                    <a:gs pos="30000">
+                      <a:schemeClr val="tx1"/>
+                    </a:gs>
+                  </a:gsLst>
+                  <a:lin ang="5400000" scaled="0"/>
+                </a:gradFill>
+              </a:rPr>
+              <a:t>15m break</a:t>
             </a:r>
           </a:p>
           <a:p>

--- a/Slides/AZ-104T00A-ENU-PowerPoint_00 - done.pptx
+++ b/Slides/AZ-104T00A-ENU-PowerPoint_00 - done.pptx
@@ -5,10 +5,10 @@
     <p:sldMasterId id="2147484551" r:id="rId1"/>
   </p:sldMasterIdLst>
   <p:notesMasterIdLst>
-    <p:notesMasterId r:id="rId17"/>
+    <p:notesMasterId r:id="rId18"/>
   </p:notesMasterIdLst>
   <p:handoutMasterIdLst>
-    <p:handoutMasterId r:id="rId18"/>
+    <p:handoutMasterId r:id="rId19"/>
   </p:handoutMasterIdLst>
   <p:sldIdLst>
     <p:sldId id="1746" r:id="rId2"/>
@@ -24,8 +24,9 @@
     <p:sldId id="1902" r:id="rId12"/>
     <p:sldId id="1901" r:id="rId13"/>
     <p:sldId id="1882" r:id="rId14"/>
-    <p:sldId id="1883" r:id="rId15"/>
-    <p:sldId id="1891" r:id="rId16"/>
+    <p:sldId id="1903" r:id="rId15"/>
+    <p:sldId id="1883" r:id="rId16"/>
+    <p:sldId id="1891" r:id="rId17"/>
   </p:sldIdLst>
   <p:sldSz cx="12436475" cy="6994525"/>
   <p:notesSz cx="6858000" cy="9144000"/>
@@ -238,7 +239,7 @@
               <a:rPr lang="en-US" smtClean="0">
                 <a:latin typeface="Segoe UI" pitchFamily="34" charset="0"/>
               </a:rPr>
-              <a:t>12/8/2022 9:01 AM</a:t>
+              <a:t>12/11/2022 4:58 PM</a:t>
             </a:fld>
             <a:endParaRPr lang="en-US">
               <a:latin typeface="Segoe UI" pitchFamily="34" charset="0"/>
@@ -516,7 +517,7 @@
           <a:p>
             <a:fld id="{DCE60099-03E7-4FA1-8A7F-E6E6CFB0F855}" type="datetime8">
               <a:rPr lang="en-US" smtClean="0"/>
-              <a:t>12/8/2022 9:01 AM</a:t>
+              <a:t>12/11/2022 4:58 PM</a:t>
             </a:fld>
             <a:endParaRPr lang="en-US"/>
           </a:p>
@@ -1047,7 +1048,7 @@
           <a:p>
             <a:fld id="{386CE63F-9E7F-4C04-9D0D-FCA25A8E9E86}" type="datetime8">
               <a:rPr lang="en-US" smtClean="0"/>
-              <a:t>12/8/2022 9:01 AM</a:t>
+              <a:t>12/11/2022 4:58 PM</a:t>
             </a:fld>
             <a:endParaRPr lang="en-US"/>
           </a:p>
@@ -1650,7 +1651,7 @@
           <a:p>
             <a:fld id="{386CE63F-9E7F-4C04-9D0D-FCA25A8E9E86}" type="datetime8">
               <a:rPr lang="en-US" smtClean="0"/>
-              <a:t>12/8/2022 9:01 AM</a:t>
+              <a:t>12/11/2022 4:58 PM</a:t>
             </a:fld>
             <a:endParaRPr lang="en-US"/>
           </a:p>
@@ -1674,7 +1675,7 @@
             <a:fld id="{B4008EB6-D09E-4580-8CD6-DDB14511944F}" type="slidenum">
               <a:rPr lang="en-US" smtClean="0"/>
               <a:pPr/>
-              <a:t>14</a:t>
+              <a:t>15</a:t>
             </a:fld>
             <a:endParaRPr lang="en-US"/>
           </a:p>
@@ -2366,7 +2367,7 @@
           <a:p>
             <a:fld id="{386CE63F-9E7F-4C04-9D0D-FCA25A8E9E86}" type="datetime8">
               <a:rPr lang="en-US" smtClean="0"/>
-              <a:t>12/8/2022 9:01 AM</a:t>
+              <a:t>12/11/2022 4:58 PM</a:t>
             </a:fld>
             <a:endParaRPr lang="en-US"/>
           </a:p>
@@ -2700,7 +2701,7 @@
           <a:p>
             <a:fld id="{386CE63F-9E7F-4C04-9D0D-FCA25A8E9E86}" type="datetime8">
               <a:rPr lang="en-US" smtClean="0"/>
-              <a:t>12/8/2022 9:01 AM</a:t>
+              <a:t>12/11/2022 4:58 PM</a:t>
             </a:fld>
             <a:endParaRPr lang="en-US"/>
           </a:p>
@@ -8339,6 +8340,155 @@
           <p:cNvPr id="2" name="Title 1">
             <a:extLst>
               <a:ext uri="{FF2B5EF4-FFF2-40B4-BE49-F238E27FC236}">
+                <a16:creationId xmlns:a16="http://schemas.microsoft.com/office/drawing/2014/main" id="{C25D263D-1144-28FE-621A-20C87790F1FE}"/>
+              </a:ext>
+            </a:extLst>
+          </p:cNvPr>
+          <p:cNvSpPr>
+            <a:spLocks noGrp="1"/>
+          </p:cNvSpPr>
+          <p:nvPr>
+            <p:ph type="title"/>
+          </p:nvPr>
+        </p:nvSpPr>
+        <p:spPr/>
+        <p:txBody>
+          <a:bodyPr/>
+          <a:lstStyle/>
+          <a:p>
+            <a:r>
+              <a:rPr lang="en-GB" dirty="0"/>
+              <a:t>Useful Links</a:t>
+            </a:r>
+          </a:p>
+        </p:txBody>
+      </p:sp>
+      <p:sp>
+        <p:nvSpPr>
+          <p:cNvPr id="4" name="TextBox 3">
+            <a:extLst>
+              <a:ext uri="{FF2B5EF4-FFF2-40B4-BE49-F238E27FC236}">
+                <a16:creationId xmlns:a16="http://schemas.microsoft.com/office/drawing/2014/main" id="{4663C00B-DC86-3032-E1C4-090E62CF6420}"/>
+              </a:ext>
+            </a:extLst>
+          </p:cNvPr>
+          <p:cNvSpPr txBox="1"/>
+          <p:nvPr/>
+        </p:nvSpPr>
+        <p:spPr>
+          <a:xfrm>
+            <a:off x="451642" y="1106805"/>
+            <a:ext cx="11426131" cy="2031325"/>
+          </a:xfrm>
+          <a:prstGeom prst="rect">
+            <a:avLst/>
+          </a:prstGeom>
+          <a:noFill/>
+        </p:spPr>
+        <p:txBody>
+          <a:bodyPr wrap="square">
+            <a:spAutoFit/>
+          </a:bodyPr>
+          <a:lstStyle/>
+          <a:p>
+            <a:r>
+              <a:rPr lang="en-GB" dirty="0"/>
+              <a:t>GitHub repo for the course </a:t>
+            </a:r>
+            <a:r>
+              <a:rPr lang="en-GB" dirty="0">
+                <a:hlinkClick r:id="rId2"/>
+              </a:rPr>
+              <a:t>https://github.com/ryanpbetts/az-104-material</a:t>
+            </a:r>
+            <a:endParaRPr lang="en-GB" dirty="0"/>
+          </a:p>
+          <a:p>
+            <a:endParaRPr lang="en-GB" dirty="0"/>
+          </a:p>
+          <a:p>
+            <a:r>
+              <a:rPr lang="en-GB" dirty="0"/>
+              <a:t>MOC AZ-104 lab guide </a:t>
+            </a:r>
+            <a:r>
+              <a:rPr lang="en-GB" dirty="0">
+                <a:hlinkClick r:id="rId3"/>
+              </a:rPr>
+              <a:t>https://microsoftlearning.github.io/AZ-104-MicrosoftAzureAdministrator/</a:t>
+            </a:r>
+            <a:endParaRPr lang="en-GB" dirty="0"/>
+          </a:p>
+          <a:p>
+            <a:endParaRPr lang="en-GB" dirty="0"/>
+          </a:p>
+          <a:p>
+            <a:r>
+              <a:rPr lang="en-GB" dirty="0"/>
+              <a:t>MS Learn path for AZ-104 </a:t>
+            </a:r>
+            <a:r>
+              <a:rPr lang="en-GB" dirty="0">
+                <a:hlinkClick r:id="rId4"/>
+              </a:rPr>
+              <a:t>https://learn.microsoft.com/en-us/certifications/exams/az-104</a:t>
+            </a:r>
+            <a:endParaRPr lang="en-GB" dirty="0"/>
+          </a:p>
+          <a:p>
+            <a:endParaRPr lang="en-GB" dirty="0"/>
+          </a:p>
+          <a:p>
+            <a:r>
+              <a:rPr lang="en-GB" dirty="0"/>
+              <a:t>MS AZ-104 </a:t>
+            </a:r>
+            <a:r>
+              <a:rPr lang="en-GB"/>
+              <a:t>Exam Blueprint </a:t>
+            </a:r>
+            <a:endParaRPr lang="en-GB" dirty="0"/>
+          </a:p>
+        </p:txBody>
+      </p:sp>
+    </p:spTree>
+    <p:extLst>
+      <p:ext uri="{BB962C8B-B14F-4D97-AF65-F5344CB8AC3E}">
+        <p14:creationId xmlns:p14="http://schemas.microsoft.com/office/powerpoint/2010/main" val="178187251"/>
+      </p:ext>
+    </p:extLst>
+  </p:cSld>
+  <p:clrMapOvr>
+    <a:masterClrMapping/>
+  </p:clrMapOvr>
+  <p:transition>
+    <p:fade/>
+  </p:transition>
+</p:sld>
+</file>
+
+<file path=ppt/slides/slide15.xml><?xml version="1.0" encoding="utf-8"?>
+<p:sld xmlns:a="http://schemas.openxmlformats.org/drawingml/2006/main" xmlns:r="http://schemas.openxmlformats.org/officeDocument/2006/relationships" xmlns:p="http://schemas.openxmlformats.org/presentationml/2006/main">
+  <p:cSld>
+    <p:spTree>
+      <p:nvGrpSpPr>
+        <p:cNvPr id="1" name=""/>
+        <p:cNvGrpSpPr/>
+        <p:nvPr/>
+      </p:nvGrpSpPr>
+      <p:grpSpPr>
+        <a:xfrm>
+          <a:off x="0" y="0"/>
+          <a:ext cx="0" cy="0"/>
+          <a:chOff x="0" y="0"/>
+          <a:chExt cx="0" cy="0"/>
+        </a:xfrm>
+      </p:grpSpPr>
+      <p:sp>
+        <p:nvSpPr>
+          <p:cNvPr id="2" name="Title 1">
+            <a:extLst>
+              <a:ext uri="{FF2B5EF4-FFF2-40B4-BE49-F238E27FC236}">
                 <a16:creationId xmlns:a16="http://schemas.microsoft.com/office/drawing/2014/main" id="{ED2565F2-B5F1-4E3A-A3FE-38CCA7D92347}"/>
               </a:ext>
             </a:extLst>
@@ -9277,7 +9427,7 @@
 </p:sld>
 </file>
 
-<file path=ppt/slides/slide15.xml><?xml version="1.0" encoding="utf-8"?>
+<file path=ppt/slides/slide16.xml><?xml version="1.0" encoding="utf-8"?>
 <p:sld xmlns:a="http://schemas.openxmlformats.org/drawingml/2006/main" xmlns:r="http://schemas.openxmlformats.org/officeDocument/2006/relationships" xmlns:p="http://schemas.openxmlformats.org/presentationml/2006/main">
   <p:cSld>
     <p:spTree>

--- a/Slides/AZ-104T00A-ENU-PowerPoint_00 - done.pptx
+++ b/Slides/AZ-104T00A-ENU-PowerPoint_00 - done.pptx
@@ -239,7 +239,7 @@
               <a:rPr lang="en-US" smtClean="0">
                 <a:latin typeface="Segoe UI" pitchFamily="34" charset="0"/>
               </a:rPr>
-              <a:t>12/11/2022 4:58 PM</a:t>
+              <a:t>12/11/2022 5:02 PM</a:t>
             </a:fld>
             <a:endParaRPr lang="en-US">
               <a:latin typeface="Segoe UI" pitchFamily="34" charset="0"/>
@@ -517,7 +517,7 @@
           <a:p>
             <a:fld id="{DCE60099-03E7-4FA1-8A7F-E6E6CFB0F855}" type="datetime8">
               <a:rPr lang="en-US" smtClean="0"/>
-              <a:t>12/11/2022 4:58 PM</a:t>
+              <a:t>12/11/2022 5:02 PM</a:t>
             </a:fld>
             <a:endParaRPr lang="en-US"/>
           </a:p>
@@ -1048,7 +1048,7 @@
           <a:p>
             <a:fld id="{386CE63F-9E7F-4C04-9D0D-FCA25A8E9E86}" type="datetime8">
               <a:rPr lang="en-US" smtClean="0"/>
-              <a:t>12/11/2022 4:58 PM</a:t>
+              <a:t>12/11/2022 5:02 PM</a:t>
             </a:fld>
             <a:endParaRPr lang="en-US"/>
           </a:p>
@@ -1651,7 +1651,7 @@
           <a:p>
             <a:fld id="{386CE63F-9E7F-4C04-9D0D-FCA25A8E9E86}" type="datetime8">
               <a:rPr lang="en-US" smtClean="0"/>
-              <a:t>12/11/2022 4:58 PM</a:t>
+              <a:t>12/11/2022 5:02 PM</a:t>
             </a:fld>
             <a:endParaRPr lang="en-US"/>
           </a:p>
@@ -2367,7 +2367,7 @@
           <a:p>
             <a:fld id="{386CE63F-9E7F-4C04-9D0D-FCA25A8E9E86}" type="datetime8">
               <a:rPr lang="en-US" smtClean="0"/>
-              <a:t>12/11/2022 4:58 PM</a:t>
+              <a:t>12/11/2022 5:02 PM</a:t>
             </a:fld>
             <a:endParaRPr lang="en-US"/>
           </a:p>
@@ -2701,7 +2701,7 @@
           <a:p>
             <a:fld id="{386CE63F-9E7F-4C04-9D0D-FCA25A8E9E86}" type="datetime8">
               <a:rPr lang="en-US" smtClean="0"/>
-              <a:t>12/11/2022 4:58 PM</a:t>
+              <a:t>12/11/2022 5:02 PM</a:t>
             </a:fld>
             <a:endParaRPr lang="en-US"/>
           </a:p>
@@ -8377,8 +8377,8 @@
         </p:nvSpPr>
         <p:spPr>
           <a:xfrm>
-            <a:off x="451642" y="1106805"/>
-            <a:ext cx="11426131" cy="2031325"/>
+            <a:off x="451643" y="1250493"/>
+            <a:ext cx="11784350" cy="4493538"/>
           </a:xfrm>
           <a:prstGeom prst="rect">
             <a:avLst/>
@@ -8392,62 +8392,99 @@
           <a:lstStyle/>
           <a:p>
             <a:r>
-              <a:rPr lang="en-GB" dirty="0"/>
+              <a:rPr lang="en-GB" sz="2200" dirty="0"/>
               <a:t>GitHub repo for the course </a:t>
             </a:r>
             <a:r>
-              <a:rPr lang="en-GB" dirty="0">
+              <a:rPr lang="en-GB" sz="2200" dirty="0">
                 <a:hlinkClick r:id="rId2"/>
               </a:rPr>
               <a:t>https://github.com/ryanpbetts/az-104-material</a:t>
             </a:r>
-            <a:endParaRPr lang="en-GB" dirty="0"/>
-          </a:p>
-          <a:p>
-            <a:endParaRPr lang="en-GB" dirty="0"/>
-          </a:p>
-          <a:p>
-            <a:r>
-              <a:rPr lang="en-GB" dirty="0"/>
+            <a:endParaRPr lang="en-GB" sz="2200" dirty="0"/>
+          </a:p>
+          <a:p>
+            <a:endParaRPr lang="en-GB" sz="2200" dirty="0"/>
+          </a:p>
+          <a:p>
+            <a:r>
+              <a:rPr lang="en-GB" sz="2200" dirty="0"/>
               <a:t>MOC AZ-104 lab guide </a:t>
             </a:r>
             <a:r>
-              <a:rPr lang="en-GB" dirty="0">
+              <a:rPr lang="en-GB" sz="2200" dirty="0">
                 <a:hlinkClick r:id="rId3"/>
               </a:rPr>
               <a:t>https://microsoftlearning.github.io/AZ-104-MicrosoftAzureAdministrator/</a:t>
             </a:r>
-            <a:endParaRPr lang="en-GB" dirty="0"/>
-          </a:p>
-          <a:p>
-            <a:endParaRPr lang="en-GB" dirty="0"/>
-          </a:p>
-          <a:p>
-            <a:r>
-              <a:rPr lang="en-GB" dirty="0"/>
+            <a:endParaRPr lang="en-GB" sz="2200" dirty="0"/>
+          </a:p>
+          <a:p>
+            <a:endParaRPr lang="en-GB" sz="2200" dirty="0"/>
+          </a:p>
+          <a:p>
+            <a:r>
+              <a:rPr lang="en-GB" sz="2200" dirty="0"/>
               <a:t>MS Learn path for AZ-104 </a:t>
             </a:r>
             <a:r>
-              <a:rPr lang="en-GB" dirty="0">
+              <a:rPr lang="en-GB" sz="2200" dirty="0">
                 <a:hlinkClick r:id="rId4"/>
               </a:rPr>
               <a:t>https://learn.microsoft.com/en-us/certifications/exams/az-104</a:t>
             </a:r>
-            <a:endParaRPr lang="en-GB" dirty="0"/>
-          </a:p>
-          <a:p>
-            <a:endParaRPr lang="en-GB" dirty="0"/>
-          </a:p>
-          <a:p>
-            <a:r>
-              <a:rPr lang="en-GB" dirty="0"/>
-              <a:t>MS AZ-104 </a:t>
-            </a:r>
-            <a:r>
-              <a:rPr lang="en-GB"/>
-              <a:t>Exam Blueprint </a:t>
-            </a:r>
-            <a:endParaRPr lang="en-GB" dirty="0"/>
+            <a:endParaRPr lang="en-GB" sz="2200" dirty="0"/>
+          </a:p>
+          <a:p>
+            <a:endParaRPr lang="en-GB" sz="2200" dirty="0"/>
+          </a:p>
+          <a:p>
+            <a:r>
+              <a:rPr lang="en-GB" sz="2200" dirty="0"/>
+              <a:t>MS AZ-104 Exam Blueprint </a:t>
+            </a:r>
+            <a:r>
+              <a:rPr lang="en-GB" sz="2200" dirty="0">
+                <a:hlinkClick r:id="rId5"/>
+              </a:rPr>
+              <a:t>https://github.com/ryanpbetts/az-104-material/blob/main/PDFs/AZ-104_Blueprint.pdf</a:t>
+            </a:r>
+            <a:endParaRPr lang="en-GB" sz="2200" dirty="0"/>
+          </a:p>
+          <a:p>
+            <a:endParaRPr lang="en-GB" sz="2200" dirty="0"/>
+          </a:p>
+          <a:p>
+            <a:r>
+              <a:rPr lang="en-GB" sz="2200" dirty="0"/>
+              <a:t>Microsoft MCP link </a:t>
+            </a:r>
+            <a:r>
+              <a:rPr lang="en-GB" sz="2200" dirty="0">
+                <a:hlinkClick r:id="rId6"/>
+              </a:rPr>
+              <a:t>https://microsoft.com/mcp</a:t>
+            </a:r>
+            <a:r>
+              <a:rPr lang="en-GB" sz="2200" dirty="0"/>
+              <a:t>  </a:t>
+            </a:r>
+          </a:p>
+          <a:p>
+            <a:endParaRPr lang="en-GB" sz="2200" dirty="0"/>
+          </a:p>
+          <a:p>
+            <a:r>
+              <a:rPr lang="en-GB" sz="2200" dirty="0"/>
+              <a:t>Measure Up practice tests </a:t>
+            </a:r>
+            <a:r>
+              <a:rPr lang="en-GB" sz="2200" dirty="0">
+                <a:hlinkClick r:id="rId7"/>
+              </a:rPr>
+              <a:t>https://www.measureup.com/</a:t>
+            </a:r>
+            <a:endParaRPr lang="en-GB" sz="2200" dirty="0"/>
           </a:p>
         </p:txBody>
       </p:sp>

--- a/Slides/AZ-104T00A-ENU-PowerPoint_00 - done.pptx
+++ b/Slides/AZ-104T00A-ENU-PowerPoint_00 - done.pptx
@@ -5,10 +5,10 @@
     <p:sldMasterId id="2147484551" r:id="rId1"/>
   </p:sldMasterIdLst>
   <p:notesMasterIdLst>
-    <p:notesMasterId r:id="rId18"/>
+    <p:notesMasterId r:id="rId19"/>
   </p:notesMasterIdLst>
   <p:handoutMasterIdLst>
-    <p:handoutMasterId r:id="rId19"/>
+    <p:handoutMasterId r:id="rId20"/>
   </p:handoutMasterIdLst>
   <p:sldIdLst>
     <p:sldId id="1746" r:id="rId2"/>
@@ -25,8 +25,9 @@
     <p:sldId id="1901" r:id="rId13"/>
     <p:sldId id="1882" r:id="rId14"/>
     <p:sldId id="1903" r:id="rId15"/>
-    <p:sldId id="1883" r:id="rId16"/>
-    <p:sldId id="1891" r:id="rId17"/>
+    <p:sldId id="1904" r:id="rId16"/>
+    <p:sldId id="1883" r:id="rId17"/>
+    <p:sldId id="1891" r:id="rId18"/>
   </p:sldIdLst>
   <p:sldSz cx="12436475" cy="6994525"/>
   <p:notesSz cx="6858000" cy="9144000"/>
@@ -239,7 +240,7 @@
               <a:rPr lang="en-US" smtClean="0">
                 <a:latin typeface="Segoe UI" pitchFamily="34" charset="0"/>
               </a:rPr>
-              <a:t>12/11/2022 5:02 PM</a:t>
+              <a:t>12/11/2022 5:15 PM</a:t>
             </a:fld>
             <a:endParaRPr lang="en-US">
               <a:latin typeface="Segoe UI" pitchFamily="34" charset="0"/>
@@ -517,7 +518,7 @@
           <a:p>
             <a:fld id="{DCE60099-03E7-4FA1-8A7F-E6E6CFB0F855}" type="datetime8">
               <a:rPr lang="en-US" smtClean="0"/>
-              <a:t>12/11/2022 5:02 PM</a:t>
+              <a:t>12/11/2022 5:11 PM</a:t>
             </a:fld>
             <a:endParaRPr lang="en-US"/>
           </a:p>
@@ -1048,7 +1049,7 @@
           <a:p>
             <a:fld id="{386CE63F-9E7F-4C04-9D0D-FCA25A8E9E86}" type="datetime8">
               <a:rPr lang="en-US" smtClean="0"/>
-              <a:t>12/11/2022 5:02 PM</a:t>
+              <a:t>12/11/2022 5:11 PM</a:t>
             </a:fld>
             <a:endParaRPr lang="en-US"/>
           </a:p>
@@ -1651,7 +1652,7 @@
           <a:p>
             <a:fld id="{386CE63F-9E7F-4C04-9D0D-FCA25A8E9E86}" type="datetime8">
               <a:rPr lang="en-US" smtClean="0"/>
-              <a:t>12/11/2022 5:02 PM</a:t>
+              <a:t>12/11/2022 5:11 PM</a:t>
             </a:fld>
             <a:endParaRPr lang="en-US"/>
           </a:p>
@@ -1675,7 +1676,7 @@
             <a:fld id="{B4008EB6-D09E-4580-8CD6-DDB14511944F}" type="slidenum">
               <a:rPr lang="en-US" smtClean="0"/>
               <a:pPr/>
-              <a:t>15</a:t>
+              <a:t>16</a:t>
             </a:fld>
             <a:endParaRPr lang="en-US"/>
           </a:p>
@@ -2367,7 +2368,7 @@
           <a:p>
             <a:fld id="{386CE63F-9E7F-4C04-9D0D-FCA25A8E9E86}" type="datetime8">
               <a:rPr lang="en-US" smtClean="0"/>
-              <a:t>12/11/2022 5:02 PM</a:t>
+              <a:t>12/11/2022 5:11 PM</a:t>
             </a:fld>
             <a:endParaRPr lang="en-US"/>
           </a:p>
@@ -2701,7 +2702,7 @@
           <a:p>
             <a:fld id="{386CE63F-9E7F-4C04-9D0D-FCA25A8E9E86}" type="datetime8">
               <a:rPr lang="en-US" smtClean="0"/>
-              <a:t>12/11/2022 5:02 PM</a:t>
+              <a:t>12/11/2022 5:11 PM</a:t>
             </a:fld>
             <a:endParaRPr lang="en-US"/>
           </a:p>
@@ -6530,7 +6531,7 @@
                   <a:lin ang="5400000" scaled="0"/>
                 </a:gradFill>
               </a:rPr>
-              <a:t>Custom Scenario Workshop</a:t>
+              <a:t>Customer Scenario Workshop</a:t>
             </a:r>
           </a:p>
           <a:p>
@@ -6558,7 +6559,39 @@
                   <a:lin ang="5400000" scaled="0"/>
                 </a:gradFill>
               </a:rPr>
-              <a:t>Interactive Measure Up Practice Tests</a:t>
+              <a:t>Interactive </a:t>
+            </a:r>
+            <a:r>
+              <a:rPr lang="en-GB" sz="2100" u="sng" dirty="0">
+                <a:gradFill>
+                  <a:gsLst>
+                    <a:gs pos="2917">
+                      <a:schemeClr val="tx1"/>
+                    </a:gs>
+                    <a:gs pos="30000">
+                      <a:schemeClr val="tx1"/>
+                    </a:gs>
+                  </a:gsLst>
+                  <a:lin ang="5400000" scaled="0"/>
+                </a:gradFill>
+              </a:rPr>
+              <a:t>Measure Up </a:t>
+            </a:r>
+            <a:r>
+              <a:rPr lang="en-GB" sz="2100" dirty="0">
+                <a:gradFill>
+                  <a:gsLst>
+                    <a:gs pos="2917">
+                      <a:schemeClr val="tx1"/>
+                    </a:gs>
+                    <a:gs pos="30000">
+                      <a:schemeClr val="tx1"/>
+                    </a:gs>
+                  </a:gsLst>
+                  <a:lin ang="5400000" scaled="0"/>
+                </a:gradFill>
+              </a:rPr>
+              <a:t>Practice Tests</a:t>
             </a:r>
           </a:p>
           <a:p>
@@ -6695,7 +6728,7 @@
         <p:spPr>
           <a:xfrm>
             <a:off x="451643" y="1253765"/>
-            <a:ext cx="11633520" cy="5629233"/>
+            <a:ext cx="11633520" cy="4976747"/>
           </a:xfrm>
           <a:prstGeom prst="rect">
             <a:avLst/>
@@ -6813,34 +6846,6 @@
             </a:r>
           </a:p>
           <a:p>
-            <a:pPr marL="809271" lvl="1" indent="-342900">
-              <a:lnSpc>
-                <a:spcPct val="90000"/>
-              </a:lnSpc>
-              <a:spcAft>
-                <a:spcPts val="600"/>
-              </a:spcAft>
-              <a:buFont typeface="Arial" panose="020B0604020202020204" pitchFamily="34" charset="0"/>
-              <a:buChar char="•"/>
-            </a:pPr>
-            <a:r>
-              <a:rPr lang="en-GB" sz="1200" dirty="0">
-                <a:gradFill>
-                  <a:gsLst>
-                    <a:gs pos="2917">
-                      <a:schemeClr val="tx1"/>
-                    </a:gs>
-                    <a:gs pos="30000">
-                      <a:schemeClr val="tx1"/>
-                    </a:gs>
-                  </a:gsLst>
-                  <a:lin ang="5400000" scaled="0"/>
-                </a:gradFill>
-              </a:rPr>
-              <a:t>15m break</a:t>
-            </a:r>
-          </a:p>
-          <a:p>
             <a:pPr marL="342900" indent="-342900">
               <a:lnSpc>
                 <a:spcPct val="90000"/>
@@ -6922,34 +6927,6 @@
                 </a:gradFill>
               </a:rPr>
               <a:t>Hands on Labs</a:t>
-            </a:r>
-          </a:p>
-          <a:p>
-            <a:pPr marL="809271" lvl="1" indent="-342900">
-              <a:lnSpc>
-                <a:spcPct val="90000"/>
-              </a:lnSpc>
-              <a:spcAft>
-                <a:spcPts val="600"/>
-              </a:spcAft>
-              <a:buFont typeface="Arial" panose="020B0604020202020204" pitchFamily="34" charset="0"/>
-              <a:buChar char="•"/>
-            </a:pPr>
-            <a:r>
-              <a:rPr lang="en-GB" sz="1200" dirty="0">
-                <a:gradFill>
-                  <a:gsLst>
-                    <a:gs pos="2917">
-                      <a:schemeClr val="tx1"/>
-                    </a:gs>
-                    <a:gs pos="30000">
-                      <a:schemeClr val="tx1"/>
-                    </a:gs>
-                  </a:gsLst>
-                  <a:lin ang="5400000" scaled="0"/>
-                </a:gradFill>
-              </a:rPr>
-              <a:t>15m break</a:t>
             </a:r>
           </a:p>
           <a:p>
@@ -8127,7 +8104,7 @@
           <a:lstStyle/>
           <a:p>
             <a:r>
-              <a:rPr lang="en-US" sz="2000">
+              <a:rPr lang="en-US" sz="2000" dirty="0">
                 <a:solidFill>
                   <a:schemeClr val="tx1"/>
                 </a:solidFill>
@@ -8135,15 +8112,15 @@
               <a:t>Lab instructions are in a GitHub repository. For this class use the </a:t>
             </a:r>
             <a:r>
-              <a:rPr lang="en-US" sz="2000">
+              <a:rPr lang="en-US" sz="2000" dirty="0">
                 <a:solidFill>
                   <a:srgbClr val="C00000"/>
                 </a:solidFill>
               </a:rPr>
-              <a:t>&lt;your region&gt; </a:t>
-            </a:r>
-            <a:r>
-              <a:rPr lang="en-US" sz="2000">
+              <a:t>UK South or Western Europe </a:t>
+            </a:r>
+            <a:r>
+              <a:rPr lang="en-US" sz="2000" dirty="0">
                 <a:solidFill>
                   <a:schemeClr val="tx1"/>
                 </a:solidFill>
@@ -8526,6 +8503,364 @@
           <p:cNvPr id="2" name="Title 1">
             <a:extLst>
               <a:ext uri="{FF2B5EF4-FFF2-40B4-BE49-F238E27FC236}">
+                <a16:creationId xmlns:a16="http://schemas.microsoft.com/office/drawing/2014/main" id="{25853630-E338-FA96-C804-F9F8F669D9E3}"/>
+              </a:ext>
+            </a:extLst>
+          </p:cNvPr>
+          <p:cNvSpPr>
+            <a:spLocks noGrp="1"/>
+          </p:cNvSpPr>
+          <p:nvPr>
+            <p:ph type="title"/>
+          </p:nvPr>
+        </p:nvSpPr>
+        <p:spPr/>
+        <p:txBody>
+          <a:bodyPr/>
+          <a:lstStyle/>
+          <a:p>
+            <a:r>
+              <a:rPr lang="en-GB" dirty="0"/>
+              <a:t>Proposed Time Schedule</a:t>
+            </a:r>
+          </a:p>
+        </p:txBody>
+      </p:sp>
+      <p:sp>
+        <p:nvSpPr>
+          <p:cNvPr id="3" name="TextBox 2">
+            <a:extLst>
+              <a:ext uri="{FF2B5EF4-FFF2-40B4-BE49-F238E27FC236}">
+                <a16:creationId xmlns:a16="http://schemas.microsoft.com/office/drawing/2014/main" id="{4ABDC8AA-0D3C-90CF-6CBF-74E8BC9F21D1}"/>
+              </a:ext>
+            </a:extLst>
+          </p:cNvPr>
+          <p:cNvSpPr txBox="1"/>
+          <p:nvPr/>
+        </p:nvSpPr>
+        <p:spPr>
+          <a:xfrm>
+            <a:off x="903288" y="1517716"/>
+            <a:ext cx="11533187" cy="4721292"/>
+          </a:xfrm>
+          <a:prstGeom prst="rect">
+            <a:avLst/>
+          </a:prstGeom>
+          <a:noFill/>
+        </p:spPr>
+        <p:txBody>
+          <a:bodyPr wrap="square" lIns="182880" tIns="146304" rIns="182880" bIns="146304" rtlCol="0">
+            <a:spAutoFit/>
+          </a:bodyPr>
+          <a:lstStyle/>
+          <a:p>
+            <a:pPr>
+              <a:lnSpc>
+                <a:spcPct val="90000"/>
+              </a:lnSpc>
+              <a:spcAft>
+                <a:spcPts val="600"/>
+              </a:spcAft>
+            </a:pPr>
+            <a:r>
+              <a:rPr lang="en-GB" sz="2400" dirty="0">
+                <a:gradFill>
+                  <a:gsLst>
+                    <a:gs pos="2917">
+                      <a:schemeClr val="tx1"/>
+                    </a:gs>
+                    <a:gs pos="30000">
+                      <a:schemeClr val="tx1"/>
+                    </a:gs>
+                  </a:gsLst>
+                  <a:lin ang="5400000" scaled="0"/>
+                </a:gradFill>
+              </a:rPr>
+              <a:t>Begin class at 0830 (GMT) </a:t>
+            </a:r>
+          </a:p>
+          <a:p>
+            <a:pPr>
+              <a:lnSpc>
+                <a:spcPct val="90000"/>
+              </a:lnSpc>
+              <a:spcAft>
+                <a:spcPts val="600"/>
+              </a:spcAft>
+            </a:pPr>
+            <a:endParaRPr lang="en-GB" sz="2400" dirty="0">
+              <a:gradFill>
+                <a:gsLst>
+                  <a:gs pos="2917">
+                    <a:schemeClr val="tx1"/>
+                  </a:gs>
+                  <a:gs pos="30000">
+                    <a:schemeClr val="tx1"/>
+                  </a:gs>
+                </a:gsLst>
+                <a:lin ang="5400000" scaled="0"/>
+              </a:gradFill>
+            </a:endParaRPr>
+          </a:p>
+          <a:p>
+            <a:pPr>
+              <a:lnSpc>
+                <a:spcPct val="90000"/>
+              </a:lnSpc>
+              <a:spcAft>
+                <a:spcPts val="600"/>
+              </a:spcAft>
+            </a:pPr>
+            <a:r>
+              <a:rPr lang="en-GB" sz="2400" dirty="0">
+                <a:gradFill>
+                  <a:gsLst>
+                    <a:gs pos="2917">
+                      <a:schemeClr val="tx1"/>
+                    </a:gs>
+                    <a:gs pos="30000">
+                      <a:schemeClr val="tx1"/>
+                    </a:gs>
+                  </a:gsLst>
+                  <a:lin ang="5400000" scaled="0"/>
+                </a:gradFill>
+              </a:rPr>
+              <a:t>Regular short breaks for coffee, check emails etc</a:t>
+            </a:r>
+          </a:p>
+          <a:p>
+            <a:pPr>
+              <a:lnSpc>
+                <a:spcPct val="90000"/>
+              </a:lnSpc>
+              <a:spcAft>
+                <a:spcPts val="600"/>
+              </a:spcAft>
+            </a:pPr>
+            <a:endParaRPr lang="en-GB" sz="2400" dirty="0">
+              <a:gradFill>
+                <a:gsLst>
+                  <a:gs pos="2917">
+                    <a:schemeClr val="tx1"/>
+                  </a:gs>
+                  <a:gs pos="30000">
+                    <a:schemeClr val="tx1"/>
+                  </a:gs>
+                </a:gsLst>
+                <a:lin ang="5400000" scaled="0"/>
+              </a:gradFill>
+            </a:endParaRPr>
+          </a:p>
+          <a:p>
+            <a:pPr>
+              <a:lnSpc>
+                <a:spcPct val="90000"/>
+              </a:lnSpc>
+              <a:spcAft>
+                <a:spcPts val="600"/>
+              </a:spcAft>
+            </a:pPr>
+            <a:r>
+              <a:rPr lang="en-GB" sz="2400" dirty="0">
+                <a:gradFill>
+                  <a:gsLst>
+                    <a:gs pos="2917">
+                      <a:schemeClr val="tx1"/>
+                    </a:gs>
+                    <a:gs pos="30000">
+                      <a:schemeClr val="tx1"/>
+                    </a:gs>
+                  </a:gsLst>
+                  <a:lin ang="5400000" scaled="0"/>
+                </a:gradFill>
+              </a:rPr>
+              <a:t>Lunch hour at 12’noon (GMT)</a:t>
+            </a:r>
+          </a:p>
+          <a:p>
+            <a:pPr>
+              <a:lnSpc>
+                <a:spcPct val="90000"/>
+              </a:lnSpc>
+              <a:spcAft>
+                <a:spcPts val="600"/>
+              </a:spcAft>
+            </a:pPr>
+            <a:endParaRPr lang="en-GB" sz="2400" dirty="0">
+              <a:gradFill>
+                <a:gsLst>
+                  <a:gs pos="2917">
+                    <a:schemeClr val="tx1"/>
+                  </a:gs>
+                  <a:gs pos="30000">
+                    <a:schemeClr val="tx1"/>
+                  </a:gs>
+                </a:gsLst>
+                <a:lin ang="5400000" scaled="0"/>
+              </a:gradFill>
+            </a:endParaRPr>
+          </a:p>
+          <a:p>
+            <a:pPr>
+              <a:lnSpc>
+                <a:spcPct val="90000"/>
+              </a:lnSpc>
+              <a:spcAft>
+                <a:spcPts val="600"/>
+              </a:spcAft>
+            </a:pPr>
+            <a:r>
+              <a:rPr lang="en-GB" sz="2400" dirty="0">
+                <a:gradFill>
+                  <a:gsLst>
+                    <a:gs pos="2917">
+                      <a:schemeClr val="tx1"/>
+                    </a:gs>
+                    <a:gs pos="30000">
+                      <a:schemeClr val="tx1"/>
+                    </a:gs>
+                  </a:gsLst>
+                  <a:lin ang="5400000" scaled="0"/>
+                </a:gradFill>
+              </a:rPr>
+              <a:t>Regular short breaks for coffee, check emails etc</a:t>
+            </a:r>
+          </a:p>
+          <a:p>
+            <a:pPr>
+              <a:lnSpc>
+                <a:spcPct val="90000"/>
+              </a:lnSpc>
+              <a:spcAft>
+                <a:spcPts val="600"/>
+              </a:spcAft>
+            </a:pPr>
+            <a:endParaRPr lang="en-GB" sz="2400" dirty="0">
+              <a:gradFill>
+                <a:gsLst>
+                  <a:gs pos="2917">
+                    <a:schemeClr val="tx1"/>
+                  </a:gs>
+                  <a:gs pos="30000">
+                    <a:schemeClr val="tx1"/>
+                  </a:gs>
+                </a:gsLst>
+                <a:lin ang="5400000" scaled="0"/>
+              </a:gradFill>
+            </a:endParaRPr>
+          </a:p>
+          <a:p>
+            <a:pPr>
+              <a:lnSpc>
+                <a:spcPct val="90000"/>
+              </a:lnSpc>
+              <a:spcAft>
+                <a:spcPts val="600"/>
+              </a:spcAft>
+            </a:pPr>
+            <a:r>
+              <a:rPr lang="en-GB" sz="2400" dirty="0">
+                <a:gradFill>
+                  <a:gsLst>
+                    <a:gs pos="2917">
+                      <a:schemeClr val="tx1"/>
+                    </a:gs>
+                    <a:gs pos="30000">
+                      <a:schemeClr val="tx1"/>
+                    </a:gs>
+                  </a:gsLst>
+                  <a:lin ang="5400000" scaled="0"/>
+                </a:gradFill>
+              </a:rPr>
+              <a:t>Work through until 1830 (GMT) and break class here for the evening</a:t>
+            </a:r>
+          </a:p>
+          <a:p>
+            <a:pPr>
+              <a:lnSpc>
+                <a:spcPct val="90000"/>
+              </a:lnSpc>
+              <a:spcAft>
+                <a:spcPts val="600"/>
+              </a:spcAft>
+            </a:pPr>
+            <a:endParaRPr lang="en-GB" sz="2400" dirty="0">
+              <a:gradFill>
+                <a:gsLst>
+                  <a:gs pos="2917">
+                    <a:schemeClr val="tx1"/>
+                  </a:gs>
+                  <a:gs pos="30000">
+                    <a:schemeClr val="tx1"/>
+                  </a:gs>
+                </a:gsLst>
+                <a:lin ang="5400000" scaled="0"/>
+              </a:gradFill>
+            </a:endParaRPr>
+          </a:p>
+          <a:p>
+            <a:pPr>
+              <a:lnSpc>
+                <a:spcPct val="90000"/>
+              </a:lnSpc>
+              <a:spcAft>
+                <a:spcPts val="600"/>
+              </a:spcAft>
+            </a:pPr>
+            <a:endParaRPr lang="en-GB" sz="2400" dirty="0" err="1">
+              <a:gradFill>
+                <a:gsLst>
+                  <a:gs pos="2917">
+                    <a:schemeClr val="tx1"/>
+                  </a:gs>
+                  <a:gs pos="30000">
+                    <a:schemeClr val="tx1"/>
+                  </a:gs>
+                </a:gsLst>
+                <a:lin ang="5400000" scaled="0"/>
+              </a:gradFill>
+            </a:endParaRPr>
+          </a:p>
+        </p:txBody>
+      </p:sp>
+    </p:spTree>
+    <p:extLst>
+      <p:ext uri="{BB962C8B-B14F-4D97-AF65-F5344CB8AC3E}">
+        <p14:creationId xmlns:p14="http://schemas.microsoft.com/office/powerpoint/2010/main" val="1887137240"/>
+      </p:ext>
+    </p:extLst>
+  </p:cSld>
+  <p:clrMapOvr>
+    <a:masterClrMapping/>
+  </p:clrMapOvr>
+  <p:transition>
+    <p:fade/>
+  </p:transition>
+</p:sld>
+</file>
+
+<file path=ppt/slides/slide16.xml><?xml version="1.0" encoding="utf-8"?>
+<p:sld xmlns:a="http://schemas.openxmlformats.org/drawingml/2006/main" xmlns:r="http://schemas.openxmlformats.org/officeDocument/2006/relationships" xmlns:p="http://schemas.openxmlformats.org/presentationml/2006/main">
+  <p:cSld>
+    <p:spTree>
+      <p:nvGrpSpPr>
+        <p:cNvPr id="1" name=""/>
+        <p:cNvGrpSpPr/>
+        <p:nvPr/>
+      </p:nvGrpSpPr>
+      <p:grpSpPr>
+        <a:xfrm>
+          <a:off x="0" y="0"/>
+          <a:ext cx="0" cy="0"/>
+          <a:chOff x="0" y="0"/>
+          <a:chExt cx="0" cy="0"/>
+        </a:xfrm>
+      </p:grpSpPr>
+      <p:sp>
+        <p:nvSpPr>
+          <p:cNvPr id="2" name="Title 1">
+            <a:extLst>
+              <a:ext uri="{FF2B5EF4-FFF2-40B4-BE49-F238E27FC236}">
                 <a16:creationId xmlns:a16="http://schemas.microsoft.com/office/drawing/2014/main" id="{ED2565F2-B5F1-4E3A-A3FE-38CCA7D92347}"/>
               </a:ext>
             </a:extLst>
@@ -9464,7 +9799,7 @@
 </p:sld>
 </file>
 
-<file path=ppt/slides/slide16.xml><?xml version="1.0" encoding="utf-8"?>
+<file path=ppt/slides/slide17.xml><?xml version="1.0" encoding="utf-8"?>
 <p:sld xmlns:a="http://schemas.openxmlformats.org/drawingml/2006/main" xmlns:r="http://schemas.openxmlformats.org/officeDocument/2006/relationships" xmlns:p="http://schemas.openxmlformats.org/presentationml/2006/main">
   <p:cSld>
     <p:spTree>
@@ -12515,6 +12850,24 @@
                 </a:solidFill>
               </a:rPr>
               <a:t>Existing certifications </a:t>
+            </a:r>
+          </a:p>
+          <a:p>
+            <a:pPr>
+              <a:spcBef>
+                <a:spcPts val="600"/>
+              </a:spcBef>
+              <a:spcAft>
+                <a:spcPts val="1200"/>
+              </a:spcAft>
+            </a:pPr>
+            <a:r>
+              <a:rPr lang="en-US" sz="2800" dirty="0">
+                <a:solidFill>
+                  <a:schemeClr val="tx1"/>
+                </a:solidFill>
+              </a:rPr>
+              <a:t>Why are you here</a:t>
             </a:r>
           </a:p>
           <a:p>
